--- a/Day 4/REST-full.pptx
+++ b/Day 4/REST-full.pptx
@@ -6681,15 +6681,15 @@
             </a:br>
             <a:r>
               <a:rPr lang="en-US" altLang="it-IT" sz="1800" dirty="0"/>
-              <a:t>http://</a:t>
-            </a:r>
-            <a:r>
-              <a:rPr lang="en-US" altLang="it-IT" sz="1800" dirty="0" err="1"/>
-              <a:t>www.parts-depot.com</a:t>
+              <a:t>http://www.parts-depot.com/</a:t>
+            </a:r>
+            <a:r>
+              <a:rPr lang="en-US" altLang="it-IT" sz="1800" b="1" dirty="0"/>
+              <a:t>parts</a:t>
             </a:r>
             <a:r>
               <a:rPr lang="en-US" altLang="it-IT" sz="1800" dirty="0"/>
-              <a:t>/parts
+              <a:t>
 Si </a:t>
             </a:r>
             <a:r>
@@ -7639,7 +7639,21 @@
             </a:br>
             <a:r>
               <a:rPr lang="it-IT" sz="1600" dirty="0"/>
-              <a:t>Questa regola significa che i clienti interagiscono con le risorse tramite le loro rappresentazioni, il che è un modo potente per mantenere i concetti di risorse astratti dalle loro interazioni. La rappresentazione più famosa utilizzata nelle implementazioni REST è il JSON . Un esempio di rappresentazione di una risorsa con JSON:</a:t>
+              <a:t>Questa regola significa che i clienti interagiscono con le risorse tramite le loro rappresentazioni, il che è un modo potente per mantenere i concetti di risorse astratti dalle loro interazioni</a:t>
+            </a:r>
+            <a:r>
+              <a:rPr lang="it-IT" sz="1600"/>
+              <a:t>. </a:t>
+            </a:r>
+          </a:p>
+          <a:p>
+            <a:r>
+              <a:rPr lang="it-IT" sz="1600"/>
+              <a:t>La </a:t>
+            </a:r>
+            <a:r>
+              <a:rPr lang="it-IT" sz="1600" dirty="0"/>
+              <a:t>rappresentazione più famosa utilizzata nelle implementazioni REST è il JSON . Un esempio di rappresentazione di una risorsa con JSON:</a:t>
             </a:r>
           </a:p>
           <a:p>
@@ -8519,7 +8533,7 @@
             <a:r>
               <a:rPr lang="en-US" altLang="it-IT" sz="2400" dirty="0"/>
               <a:t> HTTP (senza payload)
-	- </a:t>
+- </a:t>
             </a:r>
             <a:r>
               <a:rPr lang="en-US" altLang="it-IT" sz="2400" dirty="0" err="1"/>
@@ -8536,7 +8550,7 @@
             <a:r>
               <a:rPr lang="en-US" altLang="it-IT" sz="2400" dirty="0"/>
               <a:t>:
-		- </a:t>
+	- </a:t>
             </a:r>
             <a:r>
               <a:rPr lang="en-US" altLang="it-IT" sz="2400" dirty="0" err="1"/>
@@ -8561,7 +8575,7 @@
             <a:r>
               <a:rPr lang="en-US" altLang="it-IT" sz="2400" dirty="0"/>
               <a:t>")
-		- La </a:t>
+	- La </a:t>
             </a:r>
             <a:r>
               <a:rPr lang="en-US" altLang="it-IT" sz="2400" dirty="0" err="1"/>
@@ -13441,7 +13455,7 @@
             <a:r>
               <a:rPr lang="en-US" altLang="it-IT" sz="1800" dirty="0"/>
               <a:t>)
-POST = "</a:t>
+PUT = "</a:t>
             </a:r>
             <a:r>
               <a:rPr lang="en-US" altLang="it-IT" sz="1800" dirty="0" err="1"/>
@@ -13474,7 +13488,7 @@
             <a:r>
               <a:rPr lang="en-US" altLang="it-IT" sz="1800" dirty="0"/>
               <a:t>" (Aggiornamento)
-PUT = "</a:t>
+POST = "</a:t>
             </a:r>
             <a:r>
               <a:rPr lang="en-US" altLang="it-IT" sz="1800" dirty="0" err="1"/>
